--- a/Benchmark.pptx
+++ b/Benchmark.pptx
@@ -4311,7 +4311,21 @@
               <a:t> </a:t>
             </a:r>
             <a:r>
-              <a:rPr lang="en-US" altLang="zh-CN"/>
+              <a:rPr lang="en-US" altLang="zh-CN" dirty="0"/>
+              <a:t>script/</a:t>
+            </a:r>
+          </a:p>
+          <a:p>
+            <a:r>
+              <a:rPr lang="en-US" altLang="zh-CN" dirty="0"/>
+              <a:t>Python</a:t>
+            </a:r>
+            <a:r>
+              <a:rPr lang="zh-CN" altLang="en-US" dirty="0"/>
+              <a:t> </a:t>
+            </a:r>
+            <a:r>
+              <a:rPr lang="en-US" altLang="zh-CN" dirty="0" err="1"/>
               <a:t>visualize_cluster.py</a:t>
             </a:r>
             <a:endParaRPr lang="en-US" dirty="0"/>

--- a/Benchmark.pptx
+++ b/Benchmark.pptx
@@ -11,7 +11,8 @@
     <p:sldId id="257" r:id="rId5"/>
     <p:sldId id="260" r:id="rId6"/>
     <p:sldId id="262" r:id="rId7"/>
-    <p:sldId id="261" r:id="rId8"/>
+    <p:sldId id="263" r:id="rId8"/>
+    <p:sldId id="261" r:id="rId9"/>
   </p:sldIdLst>
   <p:sldSz cx="12192000" cy="6858000"/>
   <p:notesSz cx="6858000" cy="9144000"/>
@@ -110,6 +111,11 @@
       </a:defRPr>
     </a:lvl9pPr>
   </p:defaultTextStyle>
+  <p:extLst>
+    <p:ext uri="{EFAFB233-063F-42B5-8137-9DF3F51BA10A}">
+      <p15:sldGuideLst xmlns:p15="http://schemas.microsoft.com/office/powerpoint/2012/main"/>
+    </p:ext>
+  </p:extLst>
 </p:presentation>
 </file>
 
@@ -260,7 +266,7 @@
           <a:p>
             <a:fld id="{F8ABDE85-E690-FE48-B3F4-511409F8D4CC}" type="datetimeFigureOut">
               <a:rPr lang="en-US" smtClean="0"/>
-              <a:t>10/24/23</a:t>
+              <a:t>10/25/23</a:t>
             </a:fld>
             <a:endParaRPr lang="en-US"/>
           </a:p>
@@ -458,7 +464,7 @@
           <a:p>
             <a:fld id="{F8ABDE85-E690-FE48-B3F4-511409F8D4CC}" type="datetimeFigureOut">
               <a:rPr lang="en-US" smtClean="0"/>
-              <a:t>10/24/23</a:t>
+              <a:t>10/25/23</a:t>
             </a:fld>
             <a:endParaRPr lang="en-US"/>
           </a:p>
@@ -666,7 +672,7 @@
           <a:p>
             <a:fld id="{F8ABDE85-E690-FE48-B3F4-511409F8D4CC}" type="datetimeFigureOut">
               <a:rPr lang="en-US" smtClean="0"/>
-              <a:t>10/24/23</a:t>
+              <a:t>10/25/23</a:t>
             </a:fld>
             <a:endParaRPr lang="en-US"/>
           </a:p>
@@ -864,7 +870,7 @@
           <a:p>
             <a:fld id="{F8ABDE85-E690-FE48-B3F4-511409F8D4CC}" type="datetimeFigureOut">
               <a:rPr lang="en-US" smtClean="0"/>
-              <a:t>10/24/23</a:t>
+              <a:t>10/25/23</a:t>
             </a:fld>
             <a:endParaRPr lang="en-US"/>
           </a:p>
@@ -1139,7 +1145,7 @@
           <a:p>
             <a:fld id="{F8ABDE85-E690-FE48-B3F4-511409F8D4CC}" type="datetimeFigureOut">
               <a:rPr lang="en-US" smtClean="0"/>
-              <a:t>10/24/23</a:t>
+              <a:t>10/25/23</a:t>
             </a:fld>
             <a:endParaRPr lang="en-US"/>
           </a:p>
@@ -1404,7 +1410,7 @@
           <a:p>
             <a:fld id="{F8ABDE85-E690-FE48-B3F4-511409F8D4CC}" type="datetimeFigureOut">
               <a:rPr lang="en-US" smtClean="0"/>
-              <a:t>10/24/23</a:t>
+              <a:t>10/25/23</a:t>
             </a:fld>
             <a:endParaRPr lang="en-US"/>
           </a:p>
@@ -1816,7 +1822,7 @@
           <a:p>
             <a:fld id="{F8ABDE85-E690-FE48-B3F4-511409F8D4CC}" type="datetimeFigureOut">
               <a:rPr lang="en-US" smtClean="0"/>
-              <a:t>10/24/23</a:t>
+              <a:t>10/25/23</a:t>
             </a:fld>
             <a:endParaRPr lang="en-US"/>
           </a:p>
@@ -1957,7 +1963,7 @@
           <a:p>
             <a:fld id="{F8ABDE85-E690-FE48-B3F4-511409F8D4CC}" type="datetimeFigureOut">
               <a:rPr lang="en-US" smtClean="0"/>
-              <a:t>10/24/23</a:t>
+              <a:t>10/25/23</a:t>
             </a:fld>
             <a:endParaRPr lang="en-US"/>
           </a:p>
@@ -2070,7 +2076,7 @@
           <a:p>
             <a:fld id="{F8ABDE85-E690-FE48-B3F4-511409F8D4CC}" type="datetimeFigureOut">
               <a:rPr lang="en-US" smtClean="0"/>
-              <a:t>10/24/23</a:t>
+              <a:t>10/25/23</a:t>
             </a:fld>
             <a:endParaRPr lang="en-US"/>
           </a:p>
@@ -2381,7 +2387,7 @@
           <a:p>
             <a:fld id="{F8ABDE85-E690-FE48-B3F4-511409F8D4CC}" type="datetimeFigureOut">
               <a:rPr lang="en-US" smtClean="0"/>
-              <a:t>10/24/23</a:t>
+              <a:t>10/25/23</a:t>
             </a:fld>
             <a:endParaRPr lang="en-US"/>
           </a:p>
@@ -2669,7 +2675,7 @@
           <a:p>
             <a:fld id="{F8ABDE85-E690-FE48-B3F4-511409F8D4CC}" type="datetimeFigureOut">
               <a:rPr lang="en-US" smtClean="0"/>
-              <a:t>10/24/23</a:t>
+              <a:t>10/25/23</a:t>
             </a:fld>
             <a:endParaRPr lang="en-US"/>
           </a:p>
@@ -2910,7 +2916,7 @@
           <a:p>
             <a:fld id="{F8ABDE85-E690-FE48-B3F4-511409F8D4CC}" type="datetimeFigureOut">
               <a:rPr lang="en-US" smtClean="0"/>
-              <a:t>10/24/23</a:t>
+              <a:t>10/25/23</a:t>
             </a:fld>
             <a:endParaRPr lang="en-US"/>
           </a:p>
@@ -4367,6 +4373,162 @@
           <p:cNvPr id="2" name="Title 1">
             <a:extLst>
               <a:ext uri="{FF2B5EF4-FFF2-40B4-BE49-F238E27FC236}">
+                <a16:creationId xmlns:a16="http://schemas.microsoft.com/office/drawing/2014/main" id="{7D81ECE7-8DE3-3EF0-80DA-ADC9983B1043}"/>
+              </a:ext>
+            </a:extLst>
+          </p:cNvPr>
+          <p:cNvSpPr>
+            <a:spLocks noGrp="1"/>
+          </p:cNvSpPr>
+          <p:nvPr>
+            <p:ph type="title"/>
+          </p:nvPr>
+        </p:nvSpPr>
+        <p:spPr/>
+        <p:txBody>
+          <a:bodyPr/>
+          <a:lstStyle/>
+          <a:p>
+            <a:r>
+              <a:rPr lang="en-US" altLang="zh-CN" dirty="0"/>
+              <a:t>Clustering</a:t>
+            </a:r>
+            <a:r>
+              <a:rPr lang="zh-CN" altLang="en-US" dirty="0"/>
+              <a:t> </a:t>
+            </a:r>
+            <a:r>
+              <a:rPr lang="en-US" altLang="zh-CN" dirty="0"/>
+              <a:t>verification</a:t>
+            </a:r>
+            <a:endParaRPr lang="en-US" dirty="0"/>
+          </a:p>
+        </p:txBody>
+      </p:sp>
+      <p:sp>
+        <p:nvSpPr>
+          <p:cNvPr id="3" name="Content Placeholder 2">
+            <a:extLst>
+              <a:ext uri="{FF2B5EF4-FFF2-40B4-BE49-F238E27FC236}">
+                <a16:creationId xmlns:a16="http://schemas.microsoft.com/office/drawing/2014/main" id="{8D0A153A-15D6-8BC9-7C97-0BB5191B7A46}"/>
+              </a:ext>
+            </a:extLst>
+          </p:cNvPr>
+          <p:cNvSpPr>
+            <a:spLocks noGrp="1"/>
+          </p:cNvSpPr>
+          <p:nvPr>
+            <p:ph idx="1"/>
+          </p:nvPr>
+        </p:nvSpPr>
+        <p:spPr/>
+        <p:txBody>
+          <a:bodyPr/>
+          <a:lstStyle/>
+          <a:p>
+            <a:pPr algn="l">
+              <a:buFont typeface="+mj-lt"/>
+              <a:buAutoNum type="arabicPeriod"/>
+            </a:pPr>
+            <a:r>
+              <a:rPr lang="en-US" b="0" i="0" dirty="0">
+                <a:solidFill>
+                  <a:srgbClr val="D1D5DB"/>
+                </a:solidFill>
+                <a:effectLst/>
+                <a:latin typeface="Söhne"/>
+              </a:rPr>
+              <a:t>Loading data from CSV files</a:t>
+            </a:r>
+          </a:p>
+          <a:p>
+            <a:pPr algn="l">
+              <a:buFont typeface="+mj-lt"/>
+              <a:buAutoNum type="arabicPeriod"/>
+            </a:pPr>
+            <a:r>
+              <a:rPr lang="en-US" b="0" i="0" dirty="0">
+                <a:solidFill>
+                  <a:srgbClr val="D1D5DB"/>
+                </a:solidFill>
+                <a:effectLst/>
+                <a:latin typeface="Söhne"/>
+              </a:rPr>
+              <a:t>Preprocessing the data with scaling techniques</a:t>
+            </a:r>
+          </a:p>
+          <a:p>
+            <a:pPr algn="l">
+              <a:buFont typeface="+mj-lt"/>
+              <a:buAutoNum type="arabicPeriod"/>
+            </a:pPr>
+            <a:r>
+              <a:rPr lang="en-US" b="0" i="0" dirty="0">
+                <a:solidFill>
+                  <a:srgbClr val="D1D5DB"/>
+                </a:solidFill>
+                <a:effectLst/>
+                <a:latin typeface="Söhne"/>
+              </a:rPr>
+              <a:t>Applying PCA for dimensionality reduction</a:t>
+            </a:r>
+          </a:p>
+          <a:p>
+            <a:pPr algn="l">
+              <a:buFont typeface="+mj-lt"/>
+              <a:buAutoNum type="arabicPeriod"/>
+            </a:pPr>
+            <a:r>
+              <a:rPr lang="en-US" b="0" i="0">
+                <a:solidFill>
+                  <a:srgbClr val="D1D5DB"/>
+                </a:solidFill>
+                <a:effectLst/>
+                <a:latin typeface="Söhne"/>
+              </a:rPr>
+              <a:t>Visualizing the data with matplotlib</a:t>
+            </a:r>
+          </a:p>
+          <a:p>
+            <a:endParaRPr lang="en-US"/>
+          </a:p>
+        </p:txBody>
+      </p:sp>
+    </p:spTree>
+    <p:extLst>
+      <p:ext uri="{BB962C8B-B14F-4D97-AF65-F5344CB8AC3E}">
+        <p14:creationId xmlns:p14="http://schemas.microsoft.com/office/powerpoint/2010/main" val="1823132879"/>
+      </p:ext>
+    </p:extLst>
+  </p:cSld>
+  <p:clrMapOvr>
+    <a:masterClrMapping/>
+  </p:clrMapOvr>
+</p:sld>
+</file>
+
+<file path=ppt/slides/slide8.xml><?xml version="1.0" encoding="utf-8"?>
+<p:sld xmlns:a="http://schemas.openxmlformats.org/drawingml/2006/main" xmlns:r="http://schemas.openxmlformats.org/officeDocument/2006/relationships" xmlns:p="http://schemas.openxmlformats.org/presentationml/2006/main">
+  <p:cSld>
+    <p:spTree>
+      <p:nvGrpSpPr>
+        <p:cNvPr id="1" name=""/>
+        <p:cNvGrpSpPr/>
+        <p:nvPr/>
+      </p:nvGrpSpPr>
+      <p:grpSpPr>
+        <a:xfrm>
+          <a:off x="0" y="0"/>
+          <a:ext cx="0" cy="0"/>
+          <a:chOff x="0" y="0"/>
+          <a:chExt cx="0" cy="0"/>
+        </a:xfrm>
+      </p:grpSpPr>
+      <p:sp>
+        <p:nvSpPr>
+          <p:cNvPr id="2" name="Title 1">
+            <a:extLst>
+              <a:ext uri="{FF2B5EF4-FFF2-40B4-BE49-F238E27FC236}">
                 <a16:creationId xmlns:a16="http://schemas.microsoft.com/office/drawing/2014/main" id="{8F8C38ED-0205-80D3-F5E2-07C3EF486773}"/>
               </a:ext>
             </a:extLst>

--- a/Benchmark.pptx
+++ b/Benchmark.pptx
@@ -10,9 +10,12 @@
     <p:sldId id="258" r:id="rId4"/>
     <p:sldId id="257" r:id="rId5"/>
     <p:sldId id="260" r:id="rId6"/>
-    <p:sldId id="262" r:id="rId7"/>
-    <p:sldId id="263" r:id="rId8"/>
-    <p:sldId id="261" r:id="rId9"/>
+    <p:sldId id="263" r:id="rId7"/>
+    <p:sldId id="264" r:id="rId8"/>
+    <p:sldId id="265" r:id="rId9"/>
+    <p:sldId id="266" r:id="rId10"/>
+    <p:sldId id="267" r:id="rId11"/>
+    <p:sldId id="261" r:id="rId12"/>
   </p:sldIdLst>
   <p:sldSz cx="12192000" cy="6858000"/>
   <p:notesSz cx="6858000" cy="9144000"/>
@@ -3396,6 +3399,262 @@
 </p:sld>
 </file>
 
+<file path=ppt/slides/slide10.xml><?xml version="1.0" encoding="utf-8"?>
+<p:sld xmlns:a="http://schemas.openxmlformats.org/drawingml/2006/main" xmlns:r="http://schemas.openxmlformats.org/officeDocument/2006/relationships" xmlns:p="http://schemas.openxmlformats.org/presentationml/2006/main">
+  <p:cSld>
+    <p:spTree>
+      <p:nvGrpSpPr>
+        <p:cNvPr id="1" name=""/>
+        <p:cNvGrpSpPr/>
+        <p:nvPr/>
+      </p:nvGrpSpPr>
+      <p:grpSpPr>
+        <a:xfrm>
+          <a:off x="0" y="0"/>
+          <a:ext cx="0" cy="0"/>
+          <a:chOff x="0" y="0"/>
+          <a:chExt cx="0" cy="0"/>
+        </a:xfrm>
+      </p:grpSpPr>
+      <p:sp>
+        <p:nvSpPr>
+          <p:cNvPr id="2" name="Title 1">
+            <a:extLst>
+              <a:ext uri="{FF2B5EF4-FFF2-40B4-BE49-F238E27FC236}">
+                <a16:creationId xmlns:a16="http://schemas.microsoft.com/office/drawing/2014/main" id="{651CD1C7-8006-6965-F96B-D2492771CA8F}"/>
+              </a:ext>
+            </a:extLst>
+          </p:cNvPr>
+          <p:cNvSpPr>
+            <a:spLocks noGrp="1"/>
+          </p:cNvSpPr>
+          <p:nvPr>
+            <p:ph type="title"/>
+          </p:nvPr>
+        </p:nvSpPr>
+        <p:spPr/>
+        <p:txBody>
+          <a:bodyPr/>
+          <a:lstStyle/>
+          <a:p>
+            <a:r>
+              <a:rPr lang="en-US" altLang="zh-CN" dirty="0"/>
+              <a:t>Data</a:t>
+            </a:r>
+            <a:r>
+              <a:rPr lang="zh-CN" altLang="en-US" dirty="0"/>
+              <a:t> </a:t>
+            </a:r>
+            <a:r>
+              <a:rPr lang="en-US" altLang="zh-CN" dirty="0"/>
+              <a:t>Cleaning</a:t>
+            </a:r>
+            <a:endParaRPr lang="en-US" dirty="0"/>
+          </a:p>
+        </p:txBody>
+      </p:sp>
+      <p:sp>
+        <p:nvSpPr>
+          <p:cNvPr id="3" name="Content Placeholder 2">
+            <a:extLst>
+              <a:ext uri="{FF2B5EF4-FFF2-40B4-BE49-F238E27FC236}">
+                <a16:creationId xmlns:a16="http://schemas.microsoft.com/office/drawing/2014/main" id="{0F6FEFA8-08E1-1B35-6A95-4EB76808FCBF}"/>
+              </a:ext>
+            </a:extLst>
+          </p:cNvPr>
+          <p:cNvSpPr>
+            <a:spLocks noGrp="1"/>
+          </p:cNvSpPr>
+          <p:nvPr>
+            <p:ph idx="1"/>
+          </p:nvPr>
+        </p:nvSpPr>
+        <p:spPr/>
+        <p:txBody>
+          <a:bodyPr/>
+          <a:lstStyle/>
+          <a:p>
+            <a:r>
+              <a:rPr lang="en-US" altLang="zh-CN" dirty="0"/>
+              <a:t>Removing</a:t>
+            </a:r>
+            <a:r>
+              <a:rPr lang="zh-CN" altLang="en-US" dirty="0"/>
+              <a:t> </a:t>
+            </a:r>
+            <a:r>
+              <a:rPr lang="en-US" altLang="zh-CN" dirty="0"/>
+              <a:t>label</a:t>
+            </a:r>
+            <a:r>
+              <a:rPr lang="zh-CN" altLang="en-US" dirty="0"/>
+              <a:t> </a:t>
+            </a:r>
+            <a:r>
+              <a:rPr lang="en-US" altLang="zh-CN" dirty="0"/>
+              <a:t>3</a:t>
+            </a:r>
+            <a:endParaRPr lang="en-US" dirty="0"/>
+          </a:p>
+        </p:txBody>
+      </p:sp>
+      <p:pic>
+        <p:nvPicPr>
+          <p:cNvPr id="4" name="Picture 3">
+            <a:extLst>
+              <a:ext uri="{FF2B5EF4-FFF2-40B4-BE49-F238E27FC236}">
+                <a16:creationId xmlns:a16="http://schemas.microsoft.com/office/drawing/2014/main" id="{A10AD236-D383-6961-0643-4B7EE3A933CD}"/>
+              </a:ext>
+            </a:extLst>
+          </p:cNvPr>
+          <p:cNvPicPr>
+            <a:picLocks noChangeAspect="1"/>
+          </p:cNvPicPr>
+          <p:nvPr/>
+        </p:nvPicPr>
+        <p:blipFill>
+          <a:blip r:embed="rId2"/>
+          <a:stretch>
+            <a:fillRect/>
+          </a:stretch>
+        </p:blipFill>
+        <p:spPr>
+          <a:xfrm>
+            <a:off x="1046998" y="2210707"/>
+            <a:ext cx="4941426" cy="4647293"/>
+          </a:xfrm>
+          <a:prstGeom prst="rect">
+            <a:avLst/>
+          </a:prstGeom>
+        </p:spPr>
+      </p:pic>
+      <p:pic>
+        <p:nvPicPr>
+          <p:cNvPr id="5" name="Picture 4">
+            <a:extLst>
+              <a:ext uri="{FF2B5EF4-FFF2-40B4-BE49-F238E27FC236}">
+                <a16:creationId xmlns:a16="http://schemas.microsoft.com/office/drawing/2014/main" id="{18724E92-2593-2B4A-32EA-8DAEF05A7428}"/>
+              </a:ext>
+            </a:extLst>
+          </p:cNvPr>
+          <p:cNvPicPr>
+            <a:picLocks noChangeAspect="1"/>
+          </p:cNvPicPr>
+          <p:nvPr/>
+        </p:nvPicPr>
+        <p:blipFill>
+          <a:blip r:embed="rId3"/>
+          <a:stretch>
+            <a:fillRect/>
+          </a:stretch>
+        </p:blipFill>
+        <p:spPr>
+          <a:xfrm>
+            <a:off x="6412373" y="2026007"/>
+            <a:ext cx="4941427" cy="4979911"/>
+          </a:xfrm>
+          <a:prstGeom prst="rect">
+            <a:avLst/>
+          </a:prstGeom>
+        </p:spPr>
+      </p:pic>
+    </p:spTree>
+    <p:extLst>
+      <p:ext uri="{BB962C8B-B14F-4D97-AF65-F5344CB8AC3E}">
+        <p14:creationId xmlns:p14="http://schemas.microsoft.com/office/powerpoint/2010/main" val="2870898089"/>
+      </p:ext>
+    </p:extLst>
+  </p:cSld>
+  <p:clrMapOvr>
+    <a:masterClrMapping/>
+  </p:clrMapOvr>
+</p:sld>
+</file>
+
+<file path=ppt/slides/slide11.xml><?xml version="1.0" encoding="utf-8"?>
+<p:sld xmlns:a="http://schemas.openxmlformats.org/drawingml/2006/main" xmlns:r="http://schemas.openxmlformats.org/officeDocument/2006/relationships" xmlns:p="http://schemas.openxmlformats.org/presentationml/2006/main">
+  <p:cSld>
+    <p:spTree>
+      <p:nvGrpSpPr>
+        <p:cNvPr id="1" name=""/>
+        <p:cNvGrpSpPr/>
+        <p:nvPr/>
+      </p:nvGrpSpPr>
+      <p:grpSpPr>
+        <a:xfrm>
+          <a:off x="0" y="0"/>
+          <a:ext cx="0" cy="0"/>
+          <a:chOff x="0" y="0"/>
+          <a:chExt cx="0" cy="0"/>
+        </a:xfrm>
+      </p:grpSpPr>
+      <p:sp>
+        <p:nvSpPr>
+          <p:cNvPr id="2" name="Title 1">
+            <a:extLst>
+              <a:ext uri="{FF2B5EF4-FFF2-40B4-BE49-F238E27FC236}">
+                <a16:creationId xmlns:a16="http://schemas.microsoft.com/office/drawing/2014/main" id="{8F8C38ED-0205-80D3-F5E2-07C3EF486773}"/>
+              </a:ext>
+            </a:extLst>
+          </p:cNvPr>
+          <p:cNvSpPr>
+            <a:spLocks noGrp="1"/>
+          </p:cNvSpPr>
+          <p:nvPr>
+            <p:ph type="title"/>
+          </p:nvPr>
+        </p:nvSpPr>
+        <p:spPr/>
+        <p:txBody>
+          <a:bodyPr/>
+          <a:lstStyle/>
+          <a:p>
+            <a:r>
+              <a:rPr lang="en-US" altLang="zh-CN" dirty="0"/>
+              <a:t>Regression</a:t>
+            </a:r>
+            <a:endParaRPr lang="en-US" dirty="0"/>
+          </a:p>
+        </p:txBody>
+      </p:sp>
+      <p:sp>
+        <p:nvSpPr>
+          <p:cNvPr id="3" name="Content Placeholder 2">
+            <a:extLst>
+              <a:ext uri="{FF2B5EF4-FFF2-40B4-BE49-F238E27FC236}">
+                <a16:creationId xmlns:a16="http://schemas.microsoft.com/office/drawing/2014/main" id="{C1270692-6A45-241F-1B14-EE6B865EC168}"/>
+              </a:ext>
+            </a:extLst>
+          </p:cNvPr>
+          <p:cNvSpPr>
+            <a:spLocks noGrp="1"/>
+          </p:cNvSpPr>
+          <p:nvPr>
+            <p:ph idx="1"/>
+          </p:nvPr>
+        </p:nvSpPr>
+        <p:spPr/>
+        <p:txBody>
+          <a:bodyPr/>
+          <a:lstStyle/>
+          <a:p>
+            <a:endParaRPr lang="en-US" dirty="0"/>
+          </a:p>
+        </p:txBody>
+      </p:sp>
+    </p:spTree>
+    <p:extLst>
+      <p:ext uri="{BB962C8B-B14F-4D97-AF65-F5344CB8AC3E}">
+        <p14:creationId xmlns:p14="http://schemas.microsoft.com/office/powerpoint/2010/main" val="1836802707"/>
+      </p:ext>
+    </p:extLst>
+  </p:cSld>
+  <p:clrMapOvr>
+    <a:masterClrMapping/>
+  </p:clrMapOvr>
+</p:sld>
+</file>
+
 <file path=ppt/slides/slide2.xml><?xml version="1.0" encoding="utf-8"?>
 <p:sld xmlns:a="http://schemas.openxmlformats.org/drawingml/2006/main" xmlns:r="http://schemas.openxmlformats.org/officeDocument/2006/relationships" xmlns:p="http://schemas.openxmlformats.org/presentationml/2006/main">
   <p:cSld>
@@ -4240,7 +4499,7 @@
           <p:cNvPr id="2" name="Title 1">
             <a:extLst>
               <a:ext uri="{FF2B5EF4-FFF2-40B4-BE49-F238E27FC236}">
-                <a16:creationId xmlns:a16="http://schemas.microsoft.com/office/drawing/2014/main" id="{4D00A334-3EA3-4901-6E0C-44FBD5A0CD43}"/>
+                <a16:creationId xmlns:a16="http://schemas.microsoft.com/office/drawing/2014/main" id="{7D81ECE7-8DE3-3EF0-80DA-ADC9983B1043}"/>
               </a:ext>
             </a:extLst>
           </p:cNvPr>
@@ -4264,6 +4523,10 @@
               <a:rPr lang="zh-CN" altLang="en-US" dirty="0"/>
               <a:t> </a:t>
             </a:r>
+            <a:r>
+              <a:rPr lang="en-US" altLang="zh-CN" dirty="0"/>
+              <a:t>verification</a:t>
+            </a:r>
             <a:endParaRPr lang="en-US" dirty="0"/>
           </a:p>
         </p:txBody>
@@ -4273,7 +4536,7 @@
           <p:cNvPr id="3" name="Content Placeholder 2">
             <a:extLst>
               <a:ext uri="{FF2B5EF4-FFF2-40B4-BE49-F238E27FC236}">
-                <a16:creationId xmlns:a16="http://schemas.microsoft.com/office/drawing/2014/main" id="{8BC552F3-182C-15DD-FA12-6A8421841786}"/>
+                <a16:creationId xmlns:a16="http://schemas.microsoft.com/office/drawing/2014/main" id="{8D0A153A-15D6-8BC9-7C97-0BB5191B7A46}"/>
               </a:ext>
             </a:extLst>
           </p:cNvPr>
@@ -4289,51 +4552,58 @@
           <a:bodyPr/>
           <a:lstStyle/>
           <a:p>
-            <a:r>
-              <a:rPr lang="en-US" altLang="zh-CN" dirty="0"/>
-              <a:t>Python</a:t>
-            </a:r>
-            <a:r>
-              <a:rPr lang="zh-CN" altLang="en-US" dirty="0"/>
-              <a:t> </a:t>
-            </a:r>
-            <a:r>
-              <a:rPr lang="en-US" altLang="zh-CN" dirty="0"/>
-              <a:t>script/</a:t>
-            </a:r>
-            <a:r>
-              <a:rPr lang="en-US" altLang="zh-CN" dirty="0" err="1"/>
-              <a:t>run_cluster.sh</a:t>
-            </a:r>
-            <a:endParaRPr lang="en-US" altLang="zh-CN" dirty="0"/>
-          </a:p>
-          <a:p>
-            <a:r>
-              <a:rPr lang="en-US" altLang="zh-CN" dirty="0"/>
-              <a:t>Python</a:t>
-            </a:r>
-            <a:r>
-              <a:rPr lang="zh-CN" altLang="en-US" dirty="0"/>
-              <a:t> </a:t>
-            </a:r>
-            <a:r>
-              <a:rPr lang="en-US" altLang="zh-CN" dirty="0"/>
-              <a:t>script/</a:t>
-            </a:r>
-          </a:p>
-          <a:p>
-            <a:r>
-              <a:rPr lang="en-US" altLang="zh-CN" dirty="0"/>
-              <a:t>Python</a:t>
-            </a:r>
-            <a:r>
-              <a:rPr lang="zh-CN" altLang="en-US" dirty="0"/>
-              <a:t> </a:t>
-            </a:r>
-            <a:r>
-              <a:rPr lang="en-US" altLang="zh-CN" dirty="0" err="1"/>
-              <a:t>visualize_cluster.py</a:t>
-            </a:r>
+            <a:pPr algn="l">
+              <a:buFont typeface="+mj-lt"/>
+              <a:buAutoNum type="arabicPeriod"/>
+            </a:pPr>
+            <a:r>
+              <a:rPr lang="en-US" b="1" i="0" dirty="0">
+                <a:effectLst/>
+                <a:latin typeface="Söhne"/>
+              </a:rPr>
+              <a:t>Loading data from CSV files</a:t>
+            </a:r>
+          </a:p>
+          <a:p>
+            <a:pPr algn="l">
+              <a:buFont typeface="+mj-lt"/>
+              <a:buAutoNum type="arabicPeriod"/>
+            </a:pPr>
+            <a:r>
+              <a:rPr lang="en-US" b="1" i="0" dirty="0">
+                <a:effectLst/>
+                <a:latin typeface="Söhne"/>
+              </a:rPr>
+              <a:t>Preprocessing the data with scaling techniques</a:t>
+            </a:r>
+          </a:p>
+          <a:p>
+            <a:pPr algn="l">
+              <a:buFont typeface="+mj-lt"/>
+              <a:buAutoNum type="arabicPeriod"/>
+            </a:pPr>
+            <a:r>
+              <a:rPr lang="en-US" b="1" i="0" dirty="0">
+                <a:effectLst/>
+                <a:latin typeface="Söhne"/>
+              </a:rPr>
+              <a:t>Applying PCA for dimensionality reduction</a:t>
+            </a:r>
+          </a:p>
+          <a:p>
+            <a:pPr algn="l">
+              <a:buFont typeface="+mj-lt"/>
+              <a:buAutoNum type="arabicPeriod"/>
+            </a:pPr>
+            <a:r>
+              <a:rPr lang="en-US" b="1" i="0" dirty="0">
+                <a:effectLst/>
+                <a:latin typeface="Söhne"/>
+              </a:rPr>
+              <a:t>Visualizing the data with matplotlib</a:t>
+            </a:r>
+          </a:p>
+          <a:p>
             <a:endParaRPr lang="en-US" dirty="0"/>
           </a:p>
         </p:txBody>
@@ -4341,7 +4611,7 @@
     </p:spTree>
     <p:extLst>
       <p:ext uri="{BB962C8B-B14F-4D97-AF65-F5344CB8AC3E}">
-        <p14:creationId xmlns:p14="http://schemas.microsoft.com/office/powerpoint/2010/main" val="1076078540"/>
+        <p14:creationId xmlns:p14="http://schemas.microsoft.com/office/powerpoint/2010/main" val="1823132879"/>
       </p:ext>
     </p:extLst>
   </p:cSld>
@@ -4373,7 +4643,7 @@
           <p:cNvPr id="2" name="Title 1">
             <a:extLst>
               <a:ext uri="{FF2B5EF4-FFF2-40B4-BE49-F238E27FC236}">
-                <a16:creationId xmlns:a16="http://schemas.microsoft.com/office/drawing/2014/main" id="{7D81ECE7-8DE3-3EF0-80DA-ADC9983B1043}"/>
+                <a16:creationId xmlns:a16="http://schemas.microsoft.com/office/drawing/2014/main" id="{5F0347EE-20FB-5D31-3BEF-FC55D430A1EF}"/>
               </a:ext>
             </a:extLst>
           </p:cNvPr>
@@ -4399,7 +4669,7 @@
             </a:r>
             <a:r>
               <a:rPr lang="en-US" altLang="zh-CN" dirty="0"/>
-              <a:t>verification</a:t>
+              <a:t>visualization</a:t>
             </a:r>
             <a:endParaRPr lang="en-US" dirty="0"/>
           </a:p>
@@ -4410,7 +4680,7 @@
           <p:cNvPr id="3" name="Content Placeholder 2">
             <a:extLst>
               <a:ext uri="{FF2B5EF4-FFF2-40B4-BE49-F238E27FC236}">
-                <a16:creationId xmlns:a16="http://schemas.microsoft.com/office/drawing/2014/main" id="{8D0A153A-15D6-8BC9-7C97-0BB5191B7A46}"/>
+                <a16:creationId xmlns:a16="http://schemas.microsoft.com/office/drawing/2014/main" id="{DE9C3AF0-68D2-3141-3704-49E7B613180A}"/>
               </a:ext>
             </a:extLst>
           </p:cNvPr>
@@ -4426,78 +4696,82 @@
           <a:bodyPr/>
           <a:lstStyle/>
           <a:p>
-            <a:pPr algn="l">
-              <a:buFont typeface="+mj-lt"/>
-              <a:buAutoNum type="arabicPeriod"/>
-            </a:pPr>
-            <a:r>
-              <a:rPr lang="en-US" b="0" i="0" dirty="0">
-                <a:solidFill>
-                  <a:srgbClr val="D1D5DB"/>
-                </a:solidFill>
-                <a:effectLst/>
-                <a:latin typeface="Söhne"/>
-              </a:rPr>
-              <a:t>Loading data from CSV files</a:t>
-            </a:r>
-          </a:p>
-          <a:p>
-            <a:pPr algn="l">
-              <a:buFont typeface="+mj-lt"/>
-              <a:buAutoNum type="arabicPeriod"/>
-            </a:pPr>
-            <a:r>
-              <a:rPr lang="en-US" b="0" i="0" dirty="0">
-                <a:solidFill>
-                  <a:srgbClr val="D1D5DB"/>
-                </a:solidFill>
-                <a:effectLst/>
-                <a:latin typeface="Söhne"/>
-              </a:rPr>
-              <a:t>Preprocessing the data with scaling techniques</a:t>
-            </a:r>
-          </a:p>
-          <a:p>
-            <a:pPr algn="l">
-              <a:buFont typeface="+mj-lt"/>
-              <a:buAutoNum type="arabicPeriod"/>
-            </a:pPr>
-            <a:r>
-              <a:rPr lang="en-US" b="0" i="0" dirty="0">
-                <a:solidFill>
-                  <a:srgbClr val="D1D5DB"/>
-                </a:solidFill>
-                <a:effectLst/>
-                <a:latin typeface="Söhne"/>
-              </a:rPr>
-              <a:t>Applying PCA for dimensionality reduction</a:t>
-            </a:r>
-          </a:p>
-          <a:p>
-            <a:pPr algn="l">
-              <a:buFont typeface="+mj-lt"/>
-              <a:buAutoNum type="arabicPeriod"/>
-            </a:pPr>
-            <a:r>
-              <a:rPr lang="en-US" b="0" i="0">
-                <a:solidFill>
-                  <a:srgbClr val="D1D5DB"/>
-                </a:solidFill>
-                <a:effectLst/>
-                <a:latin typeface="Söhne"/>
-              </a:rPr>
-              <a:t>Visualizing the data with matplotlib</a:t>
-            </a:r>
-          </a:p>
-          <a:p>
-            <a:endParaRPr lang="en-US"/>
-          </a:p>
-        </p:txBody>
-      </p:sp>
+            <a:r>
+              <a:rPr lang="en-US" altLang="zh-CN" dirty="0"/>
+              <a:t>P2</a:t>
+            </a:r>
+            <a:r>
+              <a:rPr lang="zh-CN" altLang="en-US" dirty="0"/>
+              <a:t> </a:t>
+            </a:r>
+            <a:endParaRPr lang="en-US" dirty="0"/>
+          </a:p>
+        </p:txBody>
+      </p:sp>
+      <p:pic>
+        <p:nvPicPr>
+          <p:cNvPr id="4" name="Picture 3">
+            <a:extLst>
+              <a:ext uri="{FF2B5EF4-FFF2-40B4-BE49-F238E27FC236}">
+                <a16:creationId xmlns:a16="http://schemas.microsoft.com/office/drawing/2014/main" id="{8D735A66-614C-E09D-0F04-0166C922EC93}"/>
+              </a:ext>
+            </a:extLst>
+          </p:cNvPr>
+          <p:cNvPicPr>
+            <a:picLocks noChangeAspect="1"/>
+          </p:cNvPicPr>
+          <p:nvPr/>
+        </p:nvPicPr>
+        <p:blipFill>
+          <a:blip r:embed="rId2"/>
+          <a:stretch>
+            <a:fillRect/>
+          </a:stretch>
+        </p:blipFill>
+        <p:spPr>
+          <a:xfrm>
+            <a:off x="1721222" y="1825625"/>
+            <a:ext cx="4906115" cy="4877171"/>
+          </a:xfrm>
+          <a:prstGeom prst="rect">
+            <a:avLst/>
+          </a:prstGeom>
+        </p:spPr>
+      </p:pic>
+      <p:pic>
+        <p:nvPicPr>
+          <p:cNvPr id="5" name="Picture 4">
+            <a:extLst>
+              <a:ext uri="{FF2B5EF4-FFF2-40B4-BE49-F238E27FC236}">
+                <a16:creationId xmlns:a16="http://schemas.microsoft.com/office/drawing/2014/main" id="{43F5ECEF-FD2B-C1DE-D0B1-83A501C1038C}"/>
+              </a:ext>
+            </a:extLst>
+          </p:cNvPr>
+          <p:cNvPicPr>
+            <a:picLocks noChangeAspect="1"/>
+          </p:cNvPicPr>
+          <p:nvPr/>
+        </p:nvPicPr>
+        <p:blipFill>
+          <a:blip r:embed="rId3"/>
+          <a:stretch>
+            <a:fillRect/>
+          </a:stretch>
+        </p:blipFill>
+        <p:spPr>
+          <a:xfrm>
+            <a:off x="6682879" y="1825625"/>
+            <a:ext cx="4615378" cy="4733365"/>
+          </a:xfrm>
+          <a:prstGeom prst="rect">
+            <a:avLst/>
+          </a:prstGeom>
+        </p:spPr>
+      </p:pic>
     </p:spTree>
     <p:extLst>
       <p:ext uri="{BB962C8B-B14F-4D97-AF65-F5344CB8AC3E}">
-        <p14:creationId xmlns:p14="http://schemas.microsoft.com/office/powerpoint/2010/main" val="1823132879"/>
+        <p14:creationId xmlns:p14="http://schemas.microsoft.com/office/powerpoint/2010/main" val="4215455786"/>
       </p:ext>
     </p:extLst>
   </p:cSld>
@@ -4529,7 +4803,7 @@
           <p:cNvPr id="2" name="Title 1">
             <a:extLst>
               <a:ext uri="{FF2B5EF4-FFF2-40B4-BE49-F238E27FC236}">
-                <a16:creationId xmlns:a16="http://schemas.microsoft.com/office/drawing/2014/main" id="{8F8C38ED-0205-80D3-F5E2-07C3EF486773}"/>
+                <a16:creationId xmlns:a16="http://schemas.microsoft.com/office/drawing/2014/main" id="{86CF2793-B84C-FF02-8F17-DF0220289716}"/>
               </a:ext>
             </a:extLst>
           </p:cNvPr>
@@ -4547,7 +4821,15 @@
           <a:p>
             <a:r>
               <a:rPr lang="en-US" altLang="zh-CN" dirty="0"/>
-              <a:t>Regression</a:t>
+              <a:t>Clustering</a:t>
+            </a:r>
+            <a:r>
+              <a:rPr lang="zh-CN" altLang="en-US" dirty="0"/>
+              <a:t> </a:t>
+            </a:r>
+            <a:r>
+              <a:rPr lang="en-US" altLang="zh-CN" dirty="0"/>
+              <a:t>visualization</a:t>
             </a:r>
             <a:endParaRPr lang="en-US" dirty="0"/>
           </a:p>
@@ -4558,7 +4840,7 @@
           <p:cNvPr id="3" name="Content Placeholder 2">
             <a:extLst>
               <a:ext uri="{FF2B5EF4-FFF2-40B4-BE49-F238E27FC236}">
-                <a16:creationId xmlns:a16="http://schemas.microsoft.com/office/drawing/2014/main" id="{C1270692-6A45-241F-1B14-EE6B865EC168}"/>
+                <a16:creationId xmlns:a16="http://schemas.microsoft.com/office/drawing/2014/main" id="{927A8113-BFEE-BECB-7F56-CEBAE5751246}"/>
               </a:ext>
             </a:extLst>
           </p:cNvPr>
@@ -4574,14 +4856,248 @@
           <a:bodyPr/>
           <a:lstStyle/>
           <a:p>
+            <a:r>
+              <a:rPr lang="en-US" altLang="zh-CN" dirty="0"/>
+              <a:t>P3</a:t>
+            </a:r>
+            <a:r>
+              <a:rPr lang="zh-CN" altLang="en-US" dirty="0"/>
+              <a:t> </a:t>
+            </a:r>
             <a:endParaRPr lang="en-US" dirty="0"/>
           </a:p>
         </p:txBody>
       </p:sp>
+      <p:pic>
+        <p:nvPicPr>
+          <p:cNvPr id="4" name="Picture 3">
+            <a:extLst>
+              <a:ext uri="{FF2B5EF4-FFF2-40B4-BE49-F238E27FC236}">
+                <a16:creationId xmlns:a16="http://schemas.microsoft.com/office/drawing/2014/main" id="{2CC703A6-548E-FA8E-1F80-BB2D6FA3BF51}"/>
+              </a:ext>
+            </a:extLst>
+          </p:cNvPr>
+          <p:cNvPicPr>
+            <a:picLocks noChangeAspect="1"/>
+          </p:cNvPicPr>
+          <p:nvPr/>
+        </p:nvPicPr>
+        <p:blipFill>
+          <a:blip r:embed="rId2"/>
+          <a:stretch>
+            <a:fillRect/>
+          </a:stretch>
+        </p:blipFill>
+        <p:spPr>
+          <a:xfrm>
+            <a:off x="1716544" y="2141537"/>
+            <a:ext cx="5279312" cy="4351338"/>
+          </a:xfrm>
+          <a:prstGeom prst="rect">
+            <a:avLst/>
+          </a:prstGeom>
+        </p:spPr>
+      </p:pic>
+      <p:pic>
+        <p:nvPicPr>
+          <p:cNvPr id="5" name="Picture 4">
+            <a:extLst>
+              <a:ext uri="{FF2B5EF4-FFF2-40B4-BE49-F238E27FC236}">
+                <a16:creationId xmlns:a16="http://schemas.microsoft.com/office/drawing/2014/main" id="{7FB038B3-5F46-623C-3E63-1CF30172C19A}"/>
+              </a:ext>
+            </a:extLst>
+          </p:cNvPr>
+          <p:cNvPicPr>
+            <a:picLocks noChangeAspect="1"/>
+          </p:cNvPicPr>
+          <p:nvPr/>
+        </p:nvPicPr>
+        <p:blipFill>
+          <a:blip r:embed="rId3"/>
+          <a:stretch>
+            <a:fillRect/>
+          </a:stretch>
+        </p:blipFill>
+        <p:spPr>
+          <a:xfrm>
+            <a:off x="6995856" y="1882351"/>
+            <a:ext cx="4668323" cy="4693023"/>
+          </a:xfrm>
+          <a:prstGeom prst="rect">
+            <a:avLst/>
+          </a:prstGeom>
+        </p:spPr>
+      </p:pic>
     </p:spTree>
     <p:extLst>
       <p:ext uri="{BB962C8B-B14F-4D97-AF65-F5344CB8AC3E}">
-        <p14:creationId xmlns:p14="http://schemas.microsoft.com/office/powerpoint/2010/main" val="1836802707"/>
+        <p14:creationId xmlns:p14="http://schemas.microsoft.com/office/powerpoint/2010/main" val="34457301"/>
+      </p:ext>
+    </p:extLst>
+  </p:cSld>
+  <p:clrMapOvr>
+    <a:masterClrMapping/>
+  </p:clrMapOvr>
+</p:sld>
+</file>
+
+<file path=ppt/slides/slide9.xml><?xml version="1.0" encoding="utf-8"?>
+<p:sld xmlns:a="http://schemas.openxmlformats.org/drawingml/2006/main" xmlns:r="http://schemas.openxmlformats.org/officeDocument/2006/relationships" xmlns:p="http://schemas.openxmlformats.org/presentationml/2006/main">
+  <p:cSld>
+    <p:spTree>
+      <p:nvGrpSpPr>
+        <p:cNvPr id="1" name=""/>
+        <p:cNvGrpSpPr/>
+        <p:nvPr/>
+      </p:nvGrpSpPr>
+      <p:grpSpPr>
+        <a:xfrm>
+          <a:off x="0" y="0"/>
+          <a:ext cx="0" cy="0"/>
+          <a:chOff x="0" y="0"/>
+          <a:chExt cx="0" cy="0"/>
+        </a:xfrm>
+      </p:grpSpPr>
+      <p:sp>
+        <p:nvSpPr>
+          <p:cNvPr id="2" name="Title 1">
+            <a:extLst>
+              <a:ext uri="{FF2B5EF4-FFF2-40B4-BE49-F238E27FC236}">
+                <a16:creationId xmlns:a16="http://schemas.microsoft.com/office/drawing/2014/main" id="{06738D79-A9CE-A271-F472-2AF6A350D7E9}"/>
+              </a:ext>
+            </a:extLst>
+          </p:cNvPr>
+          <p:cNvSpPr>
+            <a:spLocks noGrp="1"/>
+          </p:cNvSpPr>
+          <p:nvPr>
+            <p:ph type="title"/>
+          </p:nvPr>
+        </p:nvSpPr>
+        <p:spPr/>
+        <p:txBody>
+          <a:bodyPr/>
+          <a:lstStyle/>
+          <a:p>
+            <a:r>
+              <a:rPr lang="en-US" altLang="zh-CN" dirty="0"/>
+              <a:t>Data</a:t>
+            </a:r>
+            <a:r>
+              <a:rPr lang="zh-CN" altLang="en-US" dirty="0"/>
+              <a:t> </a:t>
+            </a:r>
+            <a:r>
+              <a:rPr lang="en-US" altLang="zh-CN" dirty="0"/>
+              <a:t>cleaning</a:t>
+            </a:r>
+            <a:r>
+              <a:rPr lang="zh-CN" altLang="en-US" dirty="0"/>
+              <a:t> </a:t>
+            </a:r>
+            <a:endParaRPr lang="en-US" dirty="0"/>
+          </a:p>
+        </p:txBody>
+      </p:sp>
+      <p:sp>
+        <p:nvSpPr>
+          <p:cNvPr id="3" name="Content Placeholder 2">
+            <a:extLst>
+              <a:ext uri="{FF2B5EF4-FFF2-40B4-BE49-F238E27FC236}">
+                <a16:creationId xmlns:a16="http://schemas.microsoft.com/office/drawing/2014/main" id="{BBD053AF-2325-9145-8BA4-CC0FF138FD83}"/>
+              </a:ext>
+            </a:extLst>
+          </p:cNvPr>
+          <p:cNvSpPr>
+            <a:spLocks noGrp="1"/>
+          </p:cNvSpPr>
+          <p:nvPr>
+            <p:ph idx="1"/>
+          </p:nvPr>
+        </p:nvSpPr>
+        <p:spPr/>
+        <p:txBody>
+          <a:bodyPr/>
+          <a:lstStyle/>
+          <a:p>
+            <a:r>
+              <a:rPr lang="en-US" altLang="zh-CN" dirty="0"/>
+              <a:t>P3b:p3b_yeojohnson_4.csv</a:t>
+            </a:r>
+            <a:br>
+              <a:rPr lang="en-US" altLang="zh-CN" dirty="0"/>
+            </a:br>
+            <a:br>
+              <a:rPr lang="en-US" altLang="zh-CN" dirty="0"/>
+            </a:br>
+            <a:endParaRPr lang="en-US" dirty="0"/>
+          </a:p>
+        </p:txBody>
+      </p:sp>
+      <p:pic>
+        <p:nvPicPr>
+          <p:cNvPr id="4" name="Picture 3">
+            <a:extLst>
+              <a:ext uri="{FF2B5EF4-FFF2-40B4-BE49-F238E27FC236}">
+                <a16:creationId xmlns:a16="http://schemas.microsoft.com/office/drawing/2014/main" id="{FC2F1D5F-435F-D061-41D7-6122A2A02A22}"/>
+              </a:ext>
+            </a:extLst>
+          </p:cNvPr>
+          <p:cNvPicPr>
+            <a:picLocks noChangeAspect="1"/>
+          </p:cNvPicPr>
+          <p:nvPr/>
+        </p:nvPicPr>
+        <p:blipFill>
+          <a:blip r:embed="rId2"/>
+          <a:stretch>
+            <a:fillRect/>
+          </a:stretch>
+        </p:blipFill>
+        <p:spPr>
+          <a:xfrm>
+            <a:off x="924849" y="3182144"/>
+            <a:ext cx="1892300" cy="1638300"/>
+          </a:xfrm>
+          <a:prstGeom prst="rect">
+            <a:avLst/>
+          </a:prstGeom>
+        </p:spPr>
+      </p:pic>
+      <p:pic>
+        <p:nvPicPr>
+          <p:cNvPr id="5" name="Picture 4">
+            <a:extLst>
+              <a:ext uri="{FF2B5EF4-FFF2-40B4-BE49-F238E27FC236}">
+                <a16:creationId xmlns:a16="http://schemas.microsoft.com/office/drawing/2014/main" id="{1E012A9F-524C-0B59-5043-7E7740DE781A}"/>
+              </a:ext>
+            </a:extLst>
+          </p:cNvPr>
+          <p:cNvPicPr>
+            <a:picLocks noChangeAspect="1"/>
+          </p:cNvPicPr>
+          <p:nvPr/>
+        </p:nvPicPr>
+        <p:blipFill>
+          <a:blip r:embed="rId3"/>
+          <a:stretch>
+            <a:fillRect/>
+          </a:stretch>
+        </p:blipFill>
+        <p:spPr>
+          <a:xfrm>
+            <a:off x="3581400" y="3130152"/>
+            <a:ext cx="7772400" cy="1742284"/>
+          </a:xfrm>
+          <a:prstGeom prst="rect">
+            <a:avLst/>
+          </a:prstGeom>
+        </p:spPr>
+      </p:pic>
+    </p:spTree>
+    <p:extLst>
+      <p:ext uri="{BB962C8B-B14F-4D97-AF65-F5344CB8AC3E}">
+        <p14:creationId xmlns:p14="http://schemas.microsoft.com/office/powerpoint/2010/main" val="3926334485"/>
       </p:ext>
     </p:extLst>
   </p:cSld>

--- a/Benchmark.pptx
+++ b/Benchmark.pptx
@@ -15,7 +15,8 @@
     <p:sldId id="265" r:id="rId9"/>
     <p:sldId id="266" r:id="rId10"/>
     <p:sldId id="267" r:id="rId11"/>
-    <p:sldId id="261" r:id="rId12"/>
+    <p:sldId id="268" r:id="rId12"/>
+    <p:sldId id="261" r:id="rId13"/>
   </p:sldIdLst>
   <p:sldSz cx="12192000" cy="6858000"/>
   <p:notesSz cx="6858000" cy="9144000"/>
@@ -3476,6 +3477,17 @@
           <a:p>
             <a:r>
               <a:rPr lang="en-US" altLang="zh-CN" dirty="0"/>
+              <a:t>Pi3b</a:t>
+            </a:r>
+            <a:r>
+              <a:rPr lang="zh-CN" altLang="en-US" dirty="0"/>
+              <a:t> </a:t>
+            </a:r>
+            <a:endParaRPr lang="en-US" altLang="zh-CN" dirty="0"/>
+          </a:p>
+          <a:p>
+            <a:r>
+              <a:rPr lang="en-US" altLang="zh-CN" dirty="0"/>
               <a:t>Removing</a:t>
             </a:r>
             <a:r>
@@ -3520,8 +3532,8 @@
         </p:blipFill>
         <p:spPr>
           <a:xfrm>
-            <a:off x="1046998" y="2210707"/>
-            <a:ext cx="4941426" cy="4647293"/>
+            <a:off x="1869140" y="2983913"/>
+            <a:ext cx="4119283" cy="3874087"/>
           </a:xfrm>
           <a:prstGeom prst="rect">
             <a:avLst/>
@@ -3593,6 +3605,164 @@
           <p:cNvPr id="2" name="Title 1">
             <a:extLst>
               <a:ext uri="{FF2B5EF4-FFF2-40B4-BE49-F238E27FC236}">
+                <a16:creationId xmlns:a16="http://schemas.microsoft.com/office/drawing/2014/main" id="{6B8AA4FF-79F6-9B56-8A6E-80F36920C98D}"/>
+              </a:ext>
+            </a:extLst>
+          </p:cNvPr>
+          <p:cNvSpPr>
+            <a:spLocks noGrp="1"/>
+          </p:cNvSpPr>
+          <p:nvPr>
+            <p:ph type="title"/>
+          </p:nvPr>
+        </p:nvSpPr>
+        <p:spPr/>
+        <p:txBody>
+          <a:bodyPr/>
+          <a:lstStyle/>
+          <a:p>
+            <a:r>
+              <a:rPr lang="en-US" altLang="zh-CN" dirty="0"/>
+              <a:t>Data</a:t>
+            </a:r>
+            <a:r>
+              <a:rPr lang="zh-CN" altLang="en-US" dirty="0"/>
+              <a:t> </a:t>
+            </a:r>
+            <a:r>
+              <a:rPr lang="en-US" altLang="zh-CN" dirty="0"/>
+              <a:t>Cleaning</a:t>
+            </a:r>
+            <a:endParaRPr lang="en-US" dirty="0"/>
+          </a:p>
+        </p:txBody>
+      </p:sp>
+      <p:sp>
+        <p:nvSpPr>
+          <p:cNvPr id="3" name="Content Placeholder 2">
+            <a:extLst>
+              <a:ext uri="{FF2B5EF4-FFF2-40B4-BE49-F238E27FC236}">
+                <a16:creationId xmlns:a16="http://schemas.microsoft.com/office/drawing/2014/main" id="{13969527-C95A-7BC8-113D-094BD3E0E870}"/>
+              </a:ext>
+            </a:extLst>
+          </p:cNvPr>
+          <p:cNvSpPr>
+            <a:spLocks noGrp="1"/>
+          </p:cNvSpPr>
+          <p:nvPr>
+            <p:ph idx="1"/>
+          </p:nvPr>
+        </p:nvSpPr>
+        <p:spPr/>
+        <p:txBody>
+          <a:bodyPr/>
+          <a:lstStyle/>
+          <a:p>
+            <a:r>
+              <a:rPr lang="en-US" altLang="zh-CN" dirty="0"/>
+              <a:t>Pi2b</a:t>
+            </a:r>
+          </a:p>
+          <a:p>
+            <a:endParaRPr lang="en-US" dirty="0"/>
+          </a:p>
+        </p:txBody>
+      </p:sp>
+      <p:pic>
+        <p:nvPicPr>
+          <p:cNvPr id="4" name="Picture 3">
+            <a:extLst>
+              <a:ext uri="{FF2B5EF4-FFF2-40B4-BE49-F238E27FC236}">
+                <a16:creationId xmlns:a16="http://schemas.microsoft.com/office/drawing/2014/main" id="{413DB3F3-B020-9C53-185A-CDDB3E6670F7}"/>
+              </a:ext>
+            </a:extLst>
+          </p:cNvPr>
+          <p:cNvPicPr>
+            <a:picLocks noChangeAspect="1"/>
+          </p:cNvPicPr>
+          <p:nvPr/>
+        </p:nvPicPr>
+        <p:blipFill>
+          <a:blip r:embed="rId2"/>
+          <a:stretch>
+            <a:fillRect/>
+          </a:stretch>
+        </p:blipFill>
+        <p:spPr>
+          <a:xfrm>
+            <a:off x="1905002" y="2252034"/>
+            <a:ext cx="4190998" cy="3966881"/>
+          </a:xfrm>
+          <a:prstGeom prst="rect">
+            <a:avLst/>
+          </a:prstGeom>
+        </p:spPr>
+      </p:pic>
+      <p:pic>
+        <p:nvPicPr>
+          <p:cNvPr id="5" name="Picture 4">
+            <a:extLst>
+              <a:ext uri="{FF2B5EF4-FFF2-40B4-BE49-F238E27FC236}">
+                <a16:creationId xmlns:a16="http://schemas.microsoft.com/office/drawing/2014/main" id="{4C838658-F607-79A3-CA7D-41210F3BDF0B}"/>
+              </a:ext>
+            </a:extLst>
+          </p:cNvPr>
+          <p:cNvPicPr>
+            <a:picLocks noChangeAspect="1"/>
+          </p:cNvPicPr>
+          <p:nvPr/>
+        </p:nvPicPr>
+        <p:blipFill>
+          <a:blip r:embed="rId3"/>
+          <a:stretch>
+            <a:fillRect/>
+          </a:stretch>
+        </p:blipFill>
+        <p:spPr>
+          <a:xfrm>
+            <a:off x="6920020" y="2252034"/>
+            <a:ext cx="4190999" cy="4082885"/>
+          </a:xfrm>
+          <a:prstGeom prst="rect">
+            <a:avLst/>
+          </a:prstGeom>
+        </p:spPr>
+      </p:pic>
+    </p:spTree>
+    <p:extLst>
+      <p:ext uri="{BB962C8B-B14F-4D97-AF65-F5344CB8AC3E}">
+        <p14:creationId xmlns:p14="http://schemas.microsoft.com/office/powerpoint/2010/main" val="2982233839"/>
+      </p:ext>
+    </p:extLst>
+  </p:cSld>
+  <p:clrMapOvr>
+    <a:masterClrMapping/>
+  </p:clrMapOvr>
+</p:sld>
+</file>
+
+<file path=ppt/slides/slide12.xml><?xml version="1.0" encoding="utf-8"?>
+<p:sld xmlns:a="http://schemas.openxmlformats.org/drawingml/2006/main" xmlns:r="http://schemas.openxmlformats.org/officeDocument/2006/relationships" xmlns:p="http://schemas.openxmlformats.org/presentationml/2006/main">
+  <p:cSld>
+    <p:spTree>
+      <p:nvGrpSpPr>
+        <p:cNvPr id="1" name=""/>
+        <p:cNvGrpSpPr/>
+        <p:nvPr/>
+      </p:nvGrpSpPr>
+      <p:grpSpPr>
+        <a:xfrm>
+          <a:off x="0" y="0"/>
+          <a:ext cx="0" cy="0"/>
+          <a:chOff x="0" y="0"/>
+          <a:chExt cx="0" cy="0"/>
+        </a:xfrm>
+      </p:grpSpPr>
+      <p:sp>
+        <p:nvSpPr>
+          <p:cNvPr id="2" name="Title 1">
+            <a:extLst>
+              <a:ext uri="{FF2B5EF4-FFF2-40B4-BE49-F238E27FC236}">
                 <a16:creationId xmlns:a16="http://schemas.microsoft.com/office/drawing/2014/main" id="{8F8C38ED-0205-80D3-F5E2-07C3EF486773}"/>
               </a:ext>
             </a:extLst>
@@ -4710,10 +4880,10 @@
       </p:sp>
       <p:pic>
         <p:nvPicPr>
-          <p:cNvPr id="4" name="Picture 3">
-            <a:extLst>
-              <a:ext uri="{FF2B5EF4-FFF2-40B4-BE49-F238E27FC236}">
-                <a16:creationId xmlns:a16="http://schemas.microsoft.com/office/drawing/2014/main" id="{8D735A66-614C-E09D-0F04-0166C922EC93}"/>
+          <p:cNvPr id="6" name="Picture 5">
+            <a:extLst>
+              <a:ext uri="{FF2B5EF4-FFF2-40B4-BE49-F238E27FC236}">
+                <a16:creationId xmlns:a16="http://schemas.microsoft.com/office/drawing/2014/main" id="{F17A0B9B-E59D-9480-ED11-22786A86A9EF}"/>
               </a:ext>
             </a:extLst>
           </p:cNvPr>
@@ -4730,8 +4900,8 @@
         </p:blipFill>
         <p:spPr>
           <a:xfrm>
-            <a:off x="1721222" y="1825625"/>
-            <a:ext cx="4906115" cy="4877171"/>
+            <a:off x="1600198" y="1674779"/>
+            <a:ext cx="5116233" cy="5196713"/>
           </a:xfrm>
           <a:prstGeom prst="rect">
             <a:avLst/>
@@ -4740,10 +4910,10 @@
       </p:pic>
       <p:pic>
         <p:nvPicPr>
-          <p:cNvPr id="5" name="Picture 4">
-            <a:extLst>
-              <a:ext uri="{FF2B5EF4-FFF2-40B4-BE49-F238E27FC236}">
-                <a16:creationId xmlns:a16="http://schemas.microsoft.com/office/drawing/2014/main" id="{43F5ECEF-FD2B-C1DE-D0B1-83A501C1038C}"/>
+          <p:cNvPr id="7" name="Picture 6">
+            <a:extLst>
+              <a:ext uri="{FF2B5EF4-FFF2-40B4-BE49-F238E27FC236}">
+                <a16:creationId xmlns:a16="http://schemas.microsoft.com/office/drawing/2014/main" id="{6D00173A-4BB0-559B-967B-1BD298982C2C}"/>
               </a:ext>
             </a:extLst>
           </p:cNvPr>
@@ -4760,8 +4930,8 @@
         </p:blipFill>
         <p:spPr>
           <a:xfrm>
-            <a:off x="6682879" y="1825625"/>
-            <a:ext cx="4615378" cy="4733365"/>
+            <a:off x="6987054" y="2114136"/>
+            <a:ext cx="4203700" cy="4318000"/>
           </a:xfrm>
           <a:prstGeom prst="rect">
             <a:avLst/>

--- a/Benchmark.pptx
+++ b/Benchmark.pptx
@@ -11,8 +11,8 @@
     <p:sldId id="257" r:id="rId5"/>
     <p:sldId id="260" r:id="rId6"/>
     <p:sldId id="263" r:id="rId7"/>
-    <p:sldId id="264" r:id="rId8"/>
-    <p:sldId id="265" r:id="rId9"/>
+    <p:sldId id="265" r:id="rId8"/>
+    <p:sldId id="264" r:id="rId9"/>
     <p:sldId id="266" r:id="rId10"/>
     <p:sldId id="267" r:id="rId11"/>
     <p:sldId id="268" r:id="rId12"/>
@@ -4813,7 +4813,7 @@
           <p:cNvPr id="2" name="Title 1">
             <a:extLst>
               <a:ext uri="{FF2B5EF4-FFF2-40B4-BE49-F238E27FC236}">
-                <a16:creationId xmlns:a16="http://schemas.microsoft.com/office/drawing/2014/main" id="{5F0347EE-20FB-5D31-3BEF-FC55D430A1EF}"/>
+                <a16:creationId xmlns:a16="http://schemas.microsoft.com/office/drawing/2014/main" id="{86CF2793-B84C-FF02-8F17-DF0220289716}"/>
               </a:ext>
             </a:extLst>
           </p:cNvPr>
@@ -4850,7 +4850,7 @@
           <p:cNvPr id="3" name="Content Placeholder 2">
             <a:extLst>
               <a:ext uri="{FF2B5EF4-FFF2-40B4-BE49-F238E27FC236}">
-                <a16:creationId xmlns:a16="http://schemas.microsoft.com/office/drawing/2014/main" id="{DE9C3AF0-68D2-3141-3704-49E7B613180A}"/>
+                <a16:creationId xmlns:a16="http://schemas.microsoft.com/office/drawing/2014/main" id="{927A8113-BFEE-BECB-7F56-CEBAE5751246}"/>
               </a:ext>
             </a:extLst>
           </p:cNvPr>
@@ -4868,7 +4868,7 @@
           <a:p>
             <a:r>
               <a:rPr lang="en-US" altLang="zh-CN" dirty="0"/>
-              <a:t>P2</a:t>
+              <a:t>P3</a:t>
             </a:r>
             <a:r>
               <a:rPr lang="zh-CN" altLang="en-US" dirty="0"/>
@@ -4880,10 +4880,10 @@
       </p:sp>
       <p:pic>
         <p:nvPicPr>
-          <p:cNvPr id="6" name="Picture 5">
-            <a:extLst>
-              <a:ext uri="{FF2B5EF4-FFF2-40B4-BE49-F238E27FC236}">
-                <a16:creationId xmlns:a16="http://schemas.microsoft.com/office/drawing/2014/main" id="{F17A0B9B-E59D-9480-ED11-22786A86A9EF}"/>
+          <p:cNvPr id="4" name="Picture 3">
+            <a:extLst>
+              <a:ext uri="{FF2B5EF4-FFF2-40B4-BE49-F238E27FC236}">
+                <a16:creationId xmlns:a16="http://schemas.microsoft.com/office/drawing/2014/main" id="{2CC703A6-548E-FA8E-1F80-BB2D6FA3BF51}"/>
               </a:ext>
             </a:extLst>
           </p:cNvPr>
@@ -4900,8 +4900,8 @@
         </p:blipFill>
         <p:spPr>
           <a:xfrm>
-            <a:off x="1600198" y="1674779"/>
-            <a:ext cx="5116233" cy="5196713"/>
+            <a:off x="1716544" y="2141537"/>
+            <a:ext cx="5279312" cy="4351338"/>
           </a:xfrm>
           <a:prstGeom prst="rect">
             <a:avLst/>
@@ -4910,10 +4910,10 @@
       </p:pic>
       <p:pic>
         <p:nvPicPr>
-          <p:cNvPr id="7" name="Picture 6">
-            <a:extLst>
-              <a:ext uri="{FF2B5EF4-FFF2-40B4-BE49-F238E27FC236}">
-                <a16:creationId xmlns:a16="http://schemas.microsoft.com/office/drawing/2014/main" id="{6D00173A-4BB0-559B-967B-1BD298982C2C}"/>
+          <p:cNvPr id="5" name="Picture 4">
+            <a:extLst>
+              <a:ext uri="{FF2B5EF4-FFF2-40B4-BE49-F238E27FC236}">
+                <a16:creationId xmlns:a16="http://schemas.microsoft.com/office/drawing/2014/main" id="{7FB038B3-5F46-623C-3E63-1CF30172C19A}"/>
               </a:ext>
             </a:extLst>
           </p:cNvPr>
@@ -4930,8 +4930,8 @@
         </p:blipFill>
         <p:spPr>
           <a:xfrm>
-            <a:off x="6987054" y="2114136"/>
-            <a:ext cx="4203700" cy="4318000"/>
+            <a:off x="6995856" y="1882351"/>
+            <a:ext cx="4668323" cy="4693023"/>
           </a:xfrm>
           <a:prstGeom prst="rect">
             <a:avLst/>
@@ -4941,7 +4941,7 @@
     </p:spTree>
     <p:extLst>
       <p:ext uri="{BB962C8B-B14F-4D97-AF65-F5344CB8AC3E}">
-        <p14:creationId xmlns:p14="http://schemas.microsoft.com/office/powerpoint/2010/main" val="4215455786"/>
+        <p14:creationId xmlns:p14="http://schemas.microsoft.com/office/powerpoint/2010/main" val="34457301"/>
       </p:ext>
     </p:extLst>
   </p:cSld>
@@ -4973,7 +4973,7 @@
           <p:cNvPr id="2" name="Title 1">
             <a:extLst>
               <a:ext uri="{FF2B5EF4-FFF2-40B4-BE49-F238E27FC236}">
-                <a16:creationId xmlns:a16="http://schemas.microsoft.com/office/drawing/2014/main" id="{86CF2793-B84C-FF02-8F17-DF0220289716}"/>
+                <a16:creationId xmlns:a16="http://schemas.microsoft.com/office/drawing/2014/main" id="{5F0347EE-20FB-5D31-3BEF-FC55D430A1EF}"/>
               </a:ext>
             </a:extLst>
           </p:cNvPr>
@@ -5010,7 +5010,7 @@
           <p:cNvPr id="3" name="Content Placeholder 2">
             <a:extLst>
               <a:ext uri="{FF2B5EF4-FFF2-40B4-BE49-F238E27FC236}">
-                <a16:creationId xmlns:a16="http://schemas.microsoft.com/office/drawing/2014/main" id="{927A8113-BFEE-BECB-7F56-CEBAE5751246}"/>
+                <a16:creationId xmlns:a16="http://schemas.microsoft.com/office/drawing/2014/main" id="{DE9C3AF0-68D2-3141-3704-49E7B613180A}"/>
               </a:ext>
             </a:extLst>
           </p:cNvPr>
@@ -5028,7 +5028,7 @@
           <a:p>
             <a:r>
               <a:rPr lang="en-US" altLang="zh-CN" dirty="0"/>
-              <a:t>P3</a:t>
+              <a:t>P2</a:t>
             </a:r>
             <a:r>
               <a:rPr lang="zh-CN" altLang="en-US" dirty="0"/>
@@ -5040,10 +5040,10 @@
       </p:sp>
       <p:pic>
         <p:nvPicPr>
-          <p:cNvPr id="4" name="Picture 3">
-            <a:extLst>
-              <a:ext uri="{FF2B5EF4-FFF2-40B4-BE49-F238E27FC236}">
-                <a16:creationId xmlns:a16="http://schemas.microsoft.com/office/drawing/2014/main" id="{2CC703A6-548E-FA8E-1F80-BB2D6FA3BF51}"/>
+          <p:cNvPr id="6" name="Picture 5">
+            <a:extLst>
+              <a:ext uri="{FF2B5EF4-FFF2-40B4-BE49-F238E27FC236}">
+                <a16:creationId xmlns:a16="http://schemas.microsoft.com/office/drawing/2014/main" id="{F17A0B9B-E59D-9480-ED11-22786A86A9EF}"/>
               </a:ext>
             </a:extLst>
           </p:cNvPr>
@@ -5060,8 +5060,8 @@
         </p:blipFill>
         <p:spPr>
           <a:xfrm>
-            <a:off x="1716544" y="2141537"/>
-            <a:ext cx="5279312" cy="4351338"/>
+            <a:off x="1600198" y="1674779"/>
+            <a:ext cx="5116233" cy="5196713"/>
           </a:xfrm>
           <a:prstGeom prst="rect">
             <a:avLst/>
@@ -5070,10 +5070,10 @@
       </p:pic>
       <p:pic>
         <p:nvPicPr>
-          <p:cNvPr id="5" name="Picture 4">
-            <a:extLst>
-              <a:ext uri="{FF2B5EF4-FFF2-40B4-BE49-F238E27FC236}">
-                <a16:creationId xmlns:a16="http://schemas.microsoft.com/office/drawing/2014/main" id="{7FB038B3-5F46-623C-3E63-1CF30172C19A}"/>
+          <p:cNvPr id="7" name="Picture 6">
+            <a:extLst>
+              <a:ext uri="{FF2B5EF4-FFF2-40B4-BE49-F238E27FC236}">
+                <a16:creationId xmlns:a16="http://schemas.microsoft.com/office/drawing/2014/main" id="{6D00173A-4BB0-559B-967B-1BD298982C2C}"/>
               </a:ext>
             </a:extLst>
           </p:cNvPr>
@@ -5090,8 +5090,8 @@
         </p:blipFill>
         <p:spPr>
           <a:xfrm>
-            <a:off x="6995856" y="1882351"/>
-            <a:ext cx="4668323" cy="4693023"/>
+            <a:off x="6987054" y="2114136"/>
+            <a:ext cx="4203700" cy="4318000"/>
           </a:xfrm>
           <a:prstGeom prst="rect">
             <a:avLst/>
@@ -5101,7 +5101,7 @@
     </p:spTree>
     <p:extLst>
       <p:ext uri="{BB962C8B-B14F-4D97-AF65-F5344CB8AC3E}">
-        <p14:creationId xmlns:p14="http://schemas.microsoft.com/office/powerpoint/2010/main" val="34457301"/>
+        <p14:creationId xmlns:p14="http://schemas.microsoft.com/office/powerpoint/2010/main" val="4215455786"/>
       </p:ext>
     </p:extLst>
   </p:cSld>

--- a/Benchmark.pptx
+++ b/Benchmark.pptx
@@ -13,10 +13,11 @@
     <p:sldId id="263" r:id="rId7"/>
     <p:sldId id="265" r:id="rId8"/>
     <p:sldId id="264" r:id="rId9"/>
-    <p:sldId id="266" r:id="rId10"/>
-    <p:sldId id="267" r:id="rId11"/>
-    <p:sldId id="268" r:id="rId12"/>
-    <p:sldId id="261" r:id="rId13"/>
+    <p:sldId id="269" r:id="rId10"/>
+    <p:sldId id="266" r:id="rId11"/>
+    <p:sldId id="267" r:id="rId12"/>
+    <p:sldId id="268" r:id="rId13"/>
+    <p:sldId id="261" r:id="rId14"/>
   </p:sldIdLst>
   <p:sldSz cx="12192000" cy="6858000"/>
   <p:notesSz cx="6858000" cy="9144000"/>
@@ -270,7 +271,7 @@
           <a:p>
             <a:fld id="{F8ABDE85-E690-FE48-B3F4-511409F8D4CC}" type="datetimeFigureOut">
               <a:rPr lang="en-US" smtClean="0"/>
-              <a:t>10/25/23</a:t>
+              <a:t>10/26/23</a:t>
             </a:fld>
             <a:endParaRPr lang="en-US"/>
           </a:p>
@@ -468,7 +469,7 @@
           <a:p>
             <a:fld id="{F8ABDE85-E690-FE48-B3F4-511409F8D4CC}" type="datetimeFigureOut">
               <a:rPr lang="en-US" smtClean="0"/>
-              <a:t>10/25/23</a:t>
+              <a:t>10/26/23</a:t>
             </a:fld>
             <a:endParaRPr lang="en-US"/>
           </a:p>
@@ -676,7 +677,7 @@
           <a:p>
             <a:fld id="{F8ABDE85-E690-FE48-B3F4-511409F8D4CC}" type="datetimeFigureOut">
               <a:rPr lang="en-US" smtClean="0"/>
-              <a:t>10/25/23</a:t>
+              <a:t>10/26/23</a:t>
             </a:fld>
             <a:endParaRPr lang="en-US"/>
           </a:p>
@@ -874,7 +875,7 @@
           <a:p>
             <a:fld id="{F8ABDE85-E690-FE48-B3F4-511409F8D4CC}" type="datetimeFigureOut">
               <a:rPr lang="en-US" smtClean="0"/>
-              <a:t>10/25/23</a:t>
+              <a:t>10/26/23</a:t>
             </a:fld>
             <a:endParaRPr lang="en-US"/>
           </a:p>
@@ -1149,7 +1150,7 @@
           <a:p>
             <a:fld id="{F8ABDE85-E690-FE48-B3F4-511409F8D4CC}" type="datetimeFigureOut">
               <a:rPr lang="en-US" smtClean="0"/>
-              <a:t>10/25/23</a:t>
+              <a:t>10/26/23</a:t>
             </a:fld>
             <a:endParaRPr lang="en-US"/>
           </a:p>
@@ -1414,7 +1415,7 @@
           <a:p>
             <a:fld id="{F8ABDE85-E690-FE48-B3F4-511409F8D4CC}" type="datetimeFigureOut">
               <a:rPr lang="en-US" smtClean="0"/>
-              <a:t>10/25/23</a:t>
+              <a:t>10/26/23</a:t>
             </a:fld>
             <a:endParaRPr lang="en-US"/>
           </a:p>
@@ -1826,7 +1827,7 @@
           <a:p>
             <a:fld id="{F8ABDE85-E690-FE48-B3F4-511409F8D4CC}" type="datetimeFigureOut">
               <a:rPr lang="en-US" smtClean="0"/>
-              <a:t>10/25/23</a:t>
+              <a:t>10/26/23</a:t>
             </a:fld>
             <a:endParaRPr lang="en-US"/>
           </a:p>
@@ -1967,7 +1968,7 @@
           <a:p>
             <a:fld id="{F8ABDE85-E690-FE48-B3F4-511409F8D4CC}" type="datetimeFigureOut">
               <a:rPr lang="en-US" smtClean="0"/>
-              <a:t>10/25/23</a:t>
+              <a:t>10/26/23</a:t>
             </a:fld>
             <a:endParaRPr lang="en-US"/>
           </a:p>
@@ -2080,7 +2081,7 @@
           <a:p>
             <a:fld id="{F8ABDE85-E690-FE48-B3F4-511409F8D4CC}" type="datetimeFigureOut">
               <a:rPr lang="en-US" smtClean="0"/>
-              <a:t>10/25/23</a:t>
+              <a:t>10/26/23</a:t>
             </a:fld>
             <a:endParaRPr lang="en-US"/>
           </a:p>
@@ -2391,7 +2392,7 @@
           <a:p>
             <a:fld id="{F8ABDE85-E690-FE48-B3F4-511409F8D4CC}" type="datetimeFigureOut">
               <a:rPr lang="en-US" smtClean="0"/>
-              <a:t>10/25/23</a:t>
+              <a:t>10/26/23</a:t>
             </a:fld>
             <a:endParaRPr lang="en-US"/>
           </a:p>
@@ -2679,7 +2680,7 @@
           <a:p>
             <a:fld id="{F8ABDE85-E690-FE48-B3F4-511409F8D4CC}" type="datetimeFigureOut">
               <a:rPr lang="en-US" smtClean="0"/>
-              <a:t>10/25/23</a:t>
+              <a:t>10/26/23</a:t>
             </a:fld>
             <a:endParaRPr lang="en-US"/>
           </a:p>
@@ -2920,7 +2921,7 @@
           <a:p>
             <a:fld id="{F8ABDE85-E690-FE48-B3F4-511409F8D4CC}" type="datetimeFigureOut">
               <a:rPr lang="en-US" smtClean="0"/>
-              <a:t>10/25/23</a:t>
+              <a:t>10/26/23</a:t>
             </a:fld>
             <a:endParaRPr lang="en-US"/>
           </a:p>
@@ -3422,6 +3423,172 @@
           <p:cNvPr id="2" name="Title 1">
             <a:extLst>
               <a:ext uri="{FF2B5EF4-FFF2-40B4-BE49-F238E27FC236}">
+                <a16:creationId xmlns:a16="http://schemas.microsoft.com/office/drawing/2014/main" id="{06738D79-A9CE-A271-F472-2AF6A350D7E9}"/>
+              </a:ext>
+            </a:extLst>
+          </p:cNvPr>
+          <p:cNvSpPr>
+            <a:spLocks noGrp="1"/>
+          </p:cNvSpPr>
+          <p:nvPr>
+            <p:ph type="title"/>
+          </p:nvPr>
+        </p:nvSpPr>
+        <p:spPr/>
+        <p:txBody>
+          <a:bodyPr/>
+          <a:lstStyle/>
+          <a:p>
+            <a:r>
+              <a:rPr lang="en-US" altLang="zh-CN" dirty="0"/>
+              <a:t>Data</a:t>
+            </a:r>
+            <a:r>
+              <a:rPr lang="zh-CN" altLang="en-US" dirty="0"/>
+              <a:t> </a:t>
+            </a:r>
+            <a:r>
+              <a:rPr lang="en-US" altLang="zh-CN" dirty="0"/>
+              <a:t>cleaning</a:t>
+            </a:r>
+            <a:r>
+              <a:rPr lang="zh-CN" altLang="en-US" dirty="0"/>
+              <a:t> </a:t>
+            </a:r>
+            <a:endParaRPr lang="en-US" dirty="0"/>
+          </a:p>
+        </p:txBody>
+      </p:sp>
+      <p:sp>
+        <p:nvSpPr>
+          <p:cNvPr id="3" name="Content Placeholder 2">
+            <a:extLst>
+              <a:ext uri="{FF2B5EF4-FFF2-40B4-BE49-F238E27FC236}">
+                <a16:creationId xmlns:a16="http://schemas.microsoft.com/office/drawing/2014/main" id="{BBD053AF-2325-9145-8BA4-CC0FF138FD83}"/>
+              </a:ext>
+            </a:extLst>
+          </p:cNvPr>
+          <p:cNvSpPr>
+            <a:spLocks noGrp="1"/>
+          </p:cNvSpPr>
+          <p:nvPr>
+            <p:ph idx="1"/>
+          </p:nvPr>
+        </p:nvSpPr>
+        <p:spPr/>
+        <p:txBody>
+          <a:bodyPr/>
+          <a:lstStyle/>
+          <a:p>
+            <a:r>
+              <a:rPr lang="en-US" altLang="zh-CN" dirty="0"/>
+              <a:t>P3b:p3b_yeojohnson_4.csv</a:t>
+            </a:r>
+            <a:br>
+              <a:rPr lang="en-US" altLang="zh-CN" dirty="0"/>
+            </a:br>
+            <a:br>
+              <a:rPr lang="en-US" altLang="zh-CN" dirty="0"/>
+            </a:br>
+            <a:endParaRPr lang="en-US" dirty="0"/>
+          </a:p>
+        </p:txBody>
+      </p:sp>
+      <p:pic>
+        <p:nvPicPr>
+          <p:cNvPr id="4" name="Picture 3">
+            <a:extLst>
+              <a:ext uri="{FF2B5EF4-FFF2-40B4-BE49-F238E27FC236}">
+                <a16:creationId xmlns:a16="http://schemas.microsoft.com/office/drawing/2014/main" id="{FC2F1D5F-435F-D061-41D7-6122A2A02A22}"/>
+              </a:ext>
+            </a:extLst>
+          </p:cNvPr>
+          <p:cNvPicPr>
+            <a:picLocks noChangeAspect="1"/>
+          </p:cNvPicPr>
+          <p:nvPr/>
+        </p:nvPicPr>
+        <p:blipFill>
+          <a:blip r:embed="rId2"/>
+          <a:stretch>
+            <a:fillRect/>
+          </a:stretch>
+        </p:blipFill>
+        <p:spPr>
+          <a:xfrm>
+            <a:off x="924849" y="3182144"/>
+            <a:ext cx="1892300" cy="1638300"/>
+          </a:xfrm>
+          <a:prstGeom prst="rect">
+            <a:avLst/>
+          </a:prstGeom>
+        </p:spPr>
+      </p:pic>
+      <p:pic>
+        <p:nvPicPr>
+          <p:cNvPr id="5" name="Picture 4">
+            <a:extLst>
+              <a:ext uri="{FF2B5EF4-FFF2-40B4-BE49-F238E27FC236}">
+                <a16:creationId xmlns:a16="http://schemas.microsoft.com/office/drawing/2014/main" id="{1E012A9F-524C-0B59-5043-7E7740DE781A}"/>
+              </a:ext>
+            </a:extLst>
+          </p:cNvPr>
+          <p:cNvPicPr>
+            <a:picLocks noChangeAspect="1"/>
+          </p:cNvPicPr>
+          <p:nvPr/>
+        </p:nvPicPr>
+        <p:blipFill>
+          <a:blip r:embed="rId3"/>
+          <a:stretch>
+            <a:fillRect/>
+          </a:stretch>
+        </p:blipFill>
+        <p:spPr>
+          <a:xfrm>
+            <a:off x="3581400" y="3130152"/>
+            <a:ext cx="7772400" cy="1742284"/>
+          </a:xfrm>
+          <a:prstGeom prst="rect">
+            <a:avLst/>
+          </a:prstGeom>
+        </p:spPr>
+      </p:pic>
+    </p:spTree>
+    <p:extLst>
+      <p:ext uri="{BB962C8B-B14F-4D97-AF65-F5344CB8AC3E}">
+        <p14:creationId xmlns:p14="http://schemas.microsoft.com/office/powerpoint/2010/main" val="3926334485"/>
+      </p:ext>
+    </p:extLst>
+  </p:cSld>
+  <p:clrMapOvr>
+    <a:masterClrMapping/>
+  </p:clrMapOvr>
+</p:sld>
+</file>
+
+<file path=ppt/slides/slide11.xml><?xml version="1.0" encoding="utf-8"?>
+<p:sld xmlns:a="http://schemas.openxmlformats.org/drawingml/2006/main" xmlns:r="http://schemas.openxmlformats.org/officeDocument/2006/relationships" xmlns:p="http://schemas.openxmlformats.org/presentationml/2006/main">
+  <p:cSld>
+    <p:spTree>
+      <p:nvGrpSpPr>
+        <p:cNvPr id="1" name=""/>
+        <p:cNvGrpSpPr/>
+        <p:nvPr/>
+      </p:nvGrpSpPr>
+      <p:grpSpPr>
+        <a:xfrm>
+          <a:off x="0" y="0"/>
+          <a:ext cx="0" cy="0"/>
+          <a:chOff x="0" y="0"/>
+          <a:chExt cx="0" cy="0"/>
+        </a:xfrm>
+      </p:grpSpPr>
+      <p:sp>
+        <p:nvSpPr>
+          <p:cNvPr id="2" name="Title 1">
+            <a:extLst>
+              <a:ext uri="{FF2B5EF4-FFF2-40B4-BE49-F238E27FC236}">
                 <a16:creationId xmlns:a16="http://schemas.microsoft.com/office/drawing/2014/main" id="{651CD1C7-8006-6965-F96B-D2492771CA8F}"/>
               </a:ext>
             </a:extLst>
@@ -3583,7 +3750,7 @@
 </p:sld>
 </file>
 
-<file path=ppt/slides/slide11.xml><?xml version="1.0" encoding="utf-8"?>
+<file path=ppt/slides/slide12.xml><?xml version="1.0" encoding="utf-8"?>
 <p:sld xmlns:a="http://schemas.openxmlformats.org/drawingml/2006/main" xmlns:r="http://schemas.openxmlformats.org/officeDocument/2006/relationships" xmlns:p="http://schemas.openxmlformats.org/presentationml/2006/main">
   <p:cSld>
     <p:spTree>
@@ -3741,7 +3908,7 @@
 </p:sld>
 </file>
 
-<file path=ppt/slides/slide12.xml><?xml version="1.0" encoding="utf-8"?>
+<file path=ppt/slides/slide13.xml><?xml version="1.0" encoding="utf-8"?>
 <p:sld xmlns:a="http://schemas.openxmlformats.org/drawingml/2006/main" xmlns:r="http://schemas.openxmlformats.org/officeDocument/2006/relationships" xmlns:p="http://schemas.openxmlformats.org/presentationml/2006/main">
   <p:cSld>
     <p:spTree>
@@ -4868,7 +5035,7 @@
           <a:p>
             <a:r>
               <a:rPr lang="en-US" altLang="zh-CN" dirty="0"/>
-              <a:t>P3</a:t>
+              <a:t>Pi3b</a:t>
             </a:r>
             <a:r>
               <a:rPr lang="zh-CN" altLang="en-US" dirty="0"/>
@@ -5028,7 +5195,7 @@
           <a:p>
             <a:r>
               <a:rPr lang="en-US" altLang="zh-CN" dirty="0"/>
-              <a:t>P2</a:t>
+              <a:t>Pi2b</a:t>
             </a:r>
             <a:r>
               <a:rPr lang="zh-CN" altLang="en-US" dirty="0"/>
@@ -5133,7 +5300,7 @@
           <p:cNvPr id="2" name="Title 1">
             <a:extLst>
               <a:ext uri="{FF2B5EF4-FFF2-40B4-BE49-F238E27FC236}">
-                <a16:creationId xmlns:a16="http://schemas.microsoft.com/office/drawing/2014/main" id="{06738D79-A9CE-A271-F472-2AF6A350D7E9}"/>
+                <a16:creationId xmlns:a16="http://schemas.microsoft.com/office/drawing/2014/main" id="{D32C8FA1-F917-C6D6-97F9-E458C67DE2E6}"/>
               </a:ext>
             </a:extLst>
           </p:cNvPr>
@@ -5151,7 +5318,7 @@
           <a:p>
             <a:r>
               <a:rPr lang="en-US" altLang="zh-CN" dirty="0"/>
-              <a:t>Data</a:t>
+              <a:t>Clustering</a:t>
             </a:r>
             <a:r>
               <a:rPr lang="zh-CN" altLang="en-US" dirty="0"/>
@@ -5159,48 +5326,43 @@
             </a:r>
             <a:r>
               <a:rPr lang="en-US" altLang="zh-CN" dirty="0"/>
-              <a:t>cleaning</a:t>
-            </a:r>
-            <a:r>
-              <a:rPr lang="zh-CN" altLang="en-US" dirty="0"/>
+              <a:t>visualization</a:t>
+            </a:r>
+            <a:endParaRPr lang="en-US" dirty="0"/>
+          </a:p>
+        </p:txBody>
+      </p:sp>
+      <p:sp>
+        <p:nvSpPr>
+          <p:cNvPr id="3" name="Content Placeholder 2">
+            <a:extLst>
+              <a:ext uri="{FF2B5EF4-FFF2-40B4-BE49-F238E27FC236}">
+                <a16:creationId xmlns:a16="http://schemas.microsoft.com/office/drawing/2014/main" id="{65C6A073-4A75-CCBC-7743-DFAA81239801}"/>
+              </a:ext>
+            </a:extLst>
+          </p:cNvPr>
+          <p:cNvSpPr>
+            <a:spLocks noGrp="1"/>
+          </p:cNvSpPr>
+          <p:nvPr>
+            <p:ph idx="1"/>
+          </p:nvPr>
+        </p:nvSpPr>
+        <p:spPr/>
+        <p:txBody>
+          <a:bodyPr/>
+          <a:lstStyle/>
+          <a:p>
+            <a:r>
+              <a:rPr lang="en-US" dirty="0"/>
+              <a:t>Pi4b</a:t>
+            </a:r>
+          </a:p>
+          <a:p>
+            <a:r>
+              <a:rPr lang="en-US" dirty="0"/>
               <a:t> </a:t>
             </a:r>
-            <a:endParaRPr lang="en-US" dirty="0"/>
-          </a:p>
-        </p:txBody>
-      </p:sp>
-      <p:sp>
-        <p:nvSpPr>
-          <p:cNvPr id="3" name="Content Placeholder 2">
-            <a:extLst>
-              <a:ext uri="{FF2B5EF4-FFF2-40B4-BE49-F238E27FC236}">
-                <a16:creationId xmlns:a16="http://schemas.microsoft.com/office/drawing/2014/main" id="{BBD053AF-2325-9145-8BA4-CC0FF138FD83}"/>
-              </a:ext>
-            </a:extLst>
-          </p:cNvPr>
-          <p:cNvSpPr>
-            <a:spLocks noGrp="1"/>
-          </p:cNvSpPr>
-          <p:nvPr>
-            <p:ph idx="1"/>
-          </p:nvPr>
-        </p:nvSpPr>
-        <p:spPr/>
-        <p:txBody>
-          <a:bodyPr/>
-          <a:lstStyle/>
-          <a:p>
-            <a:r>
-              <a:rPr lang="en-US" altLang="zh-CN" dirty="0"/>
-              <a:t>P3b:p3b_yeojohnson_4.csv</a:t>
-            </a:r>
-            <a:br>
-              <a:rPr lang="en-US" altLang="zh-CN" dirty="0"/>
-            </a:br>
-            <a:br>
-              <a:rPr lang="en-US" altLang="zh-CN" dirty="0"/>
-            </a:br>
-            <a:endParaRPr lang="en-US" dirty="0"/>
           </a:p>
         </p:txBody>
       </p:sp>
@@ -5209,7 +5371,7 @@
           <p:cNvPr id="4" name="Picture 3">
             <a:extLst>
               <a:ext uri="{FF2B5EF4-FFF2-40B4-BE49-F238E27FC236}">
-                <a16:creationId xmlns:a16="http://schemas.microsoft.com/office/drawing/2014/main" id="{FC2F1D5F-435F-D061-41D7-6122A2A02A22}"/>
+                <a16:creationId xmlns:a16="http://schemas.microsoft.com/office/drawing/2014/main" id="{A8D4CA66-878F-3495-F34A-8AFECBAD28F6}"/>
               </a:ext>
             </a:extLst>
           </p:cNvPr>
@@ -5226,8 +5388,8 @@
         </p:blipFill>
         <p:spPr>
           <a:xfrm>
-            <a:off x="924849" y="3182144"/>
-            <a:ext cx="1892300" cy="1638300"/>
+            <a:off x="1647729" y="2206465"/>
+            <a:ext cx="3953211" cy="3970498"/>
           </a:xfrm>
           <a:prstGeom prst="rect">
             <a:avLst/>
@@ -5239,7 +5401,7 @@
           <p:cNvPr id="5" name="Picture 4">
             <a:extLst>
               <a:ext uri="{FF2B5EF4-FFF2-40B4-BE49-F238E27FC236}">
-                <a16:creationId xmlns:a16="http://schemas.microsoft.com/office/drawing/2014/main" id="{1E012A9F-524C-0B59-5043-7E7740DE781A}"/>
+                <a16:creationId xmlns:a16="http://schemas.microsoft.com/office/drawing/2014/main" id="{24361878-2C2B-C8E1-6243-1DAA78EE7BA5}"/>
               </a:ext>
             </a:extLst>
           </p:cNvPr>
@@ -5256,8 +5418,8 @@
         </p:blipFill>
         <p:spPr>
           <a:xfrm>
-            <a:off x="3581400" y="3130152"/>
-            <a:ext cx="7772400" cy="1742284"/>
+            <a:off x="6291072" y="1964726"/>
+            <a:ext cx="4372596" cy="4347174"/>
           </a:xfrm>
           <a:prstGeom prst="rect">
             <a:avLst/>
@@ -5267,7 +5429,7 @@
     </p:spTree>
     <p:extLst>
       <p:ext uri="{BB962C8B-B14F-4D97-AF65-F5344CB8AC3E}">
-        <p14:creationId xmlns:p14="http://schemas.microsoft.com/office/powerpoint/2010/main" val="3926334485"/>
+        <p14:creationId xmlns:p14="http://schemas.microsoft.com/office/powerpoint/2010/main" val="886091498"/>
       </p:ext>
     </p:extLst>
   </p:cSld>
